--- a/10_img/chap3/mda.pptx
+++ b/10_img/chap3/mda.pptx
@@ -11066,7 +11066,7 @@
                     <a:schemeClr val="tx1"/>
                   </a:solidFill>
                 </a:rPr>
-                <a:t>Play</a:t>
+                <a:t>Dynamics</a:t>
               </a:r>
             </a:p>
           </p:txBody>
